--- a/1. Core Java 8/Day 4/Slides/9. Creating Abstract Relationships with Interfaces/creating-abstract-relationships-with-interfaces-slides.pptx
+++ b/1. Core Java 8/Day 4/Slides/9. Creating Abstract Relationships with Interfaces/creating-abstract-relationships-with-interfaces-slides.pptx
@@ -11965,7 +11965,7 @@
         <p:spPr>
           <a:xfrm>
             <a:off x="6668769" y="3015996"/>
-            <a:ext cx="5207000" cy="3149600"/>
+            <a:ext cx="5207000" cy="3629025"/>
           </a:xfrm>
           <a:prstGeom prst="rect">
             <a:avLst/>
@@ -12191,7 +12191,7 @@
                 <a:latin typeface="Courier New" panose="02070309020205020404"/>
                 <a:cs typeface="Courier New" panose="02070309020205020404"/>
               </a:rPr>
-              <a:t>iteratator.next(); </a:t>
+              <a:t>iterator.next(); </a:t>
             </a:r>
             <a:r>
               <a:rPr sz="2000" spc="-1190" dirty="0">

--- a/1. Core Java 8/Day 4/Slides/9. Creating Abstract Relationships with Interfaces/creating-abstract-relationships-with-interfaces-slides.pptx
+++ b/1. Core Java 8/Day 4/Slides/9. Creating Abstract Relationships with Interfaces/creating-abstract-relationships-with-interfaces-slides.pptx
@@ -13967,7 +13967,7 @@
         <p:spPr>
           <a:xfrm>
             <a:off x="1233407" y="4457248"/>
-            <a:ext cx="4041140" cy="1121410"/>
+            <a:ext cx="4041140" cy="1130300"/>
           </a:xfrm>
           <a:prstGeom prst="rect">
             <a:avLst/>
@@ -14141,7 +14141,20 @@
               </a:rPr>
               <a:t>public</a:t>
             </a:r>
-            <a:endParaRPr sz="1800">
+            <a:r>
+              <a:rPr lang="en-US" sz="1800" spc="40" dirty="0">
+                <a:solidFill>
+                  <a:srgbClr val="404040"/>
+                </a:solidFill>
+                <a:latin typeface="Verdana" panose="020B0604030504040204"/>
+                <a:cs typeface="Verdana" panose="020B0604030504040204"/>
+              </a:rPr>
+              <a:t> and abstract</a:t>
+            </a:r>
+            <a:endParaRPr lang="en-US" sz="1800" spc="40" dirty="0">
+              <a:solidFill>
+                <a:srgbClr val="404040"/>
+              </a:solidFill>
               <a:latin typeface="Verdana" panose="020B0604030504040204"/>
               <a:cs typeface="Verdana" panose="020B0604030504040204"/>
             </a:endParaRPr>
